--- a/Computers in the Libraries.pptx
+++ b/Computers in the Libraries.pptx
@@ -1,6 +1,6 @@
 
 <file path=ppt/presentation.xml><?xml version="1.0" encoding="utf-8"?>
-<p:presentation xmlns:a="http://schemas.openxmlformats.org/drawingml/2006/main" xmlns:r="http://schemas.openxmlformats.org/officeDocument/2006/relationships" xmlns:p="http://schemas.openxmlformats.org/presentationml/2006/main">
+<p:presentation xmlns:a="http://schemas.openxmlformats.org/drawingml/2006/main" xmlns:r="http://schemas.openxmlformats.org/officeDocument/2006/relationships" xmlns:p="http://schemas.openxmlformats.org/presentationml/2006/main" saveSubsetFonts="1">
   <p:sldMasterIdLst>
     <p:sldMasterId id="2147483648" r:id="rId1"/>
     <p:sldMasterId id="2147483661" r:id="rId2"/>
@@ -16,7 +16,8 @@
     <p:sldId id="262" r:id="rId10"/>
     <p:sldId id="263" r:id="rId11"/>
     <p:sldId id="264" r:id="rId12"/>
-    <p:sldId id="265" r:id="rId13"/>
+    <p:sldId id="266" r:id="rId13"/>
+    <p:sldId id="265" r:id="rId14"/>
   </p:sldIdLst>
   <p:sldSz cx="9144000" cy="6858000" type="screen4x3"/>
   <p:notesSz cx="7772400" cy="10058400"/>
@@ -115,6 +116,11 @@
       </a:defRPr>
     </a:lvl9pPr>
   </p:defaultTextStyle>
+  <p:extLst>
+    <p:ext uri="{EFAFB233-063F-42B5-8137-9DF3F51BA10A}">
+      <p15:sldGuideLst xmlns:p15="http://schemas.microsoft.com/office/powerpoint/2012/main"/>
+    </p:ext>
+  </p:extLst>
 </p:presentation>
 </file>
 
@@ -5842,7 +5848,7 @@
                 </a:uFill>
                 <a:latin typeface="Candara"/>
               </a:rPr>
-              <a:t>10/30/2017</a:t>
+              <a:t>10/30/17</a:t>
             </a:fld>
             <a:endParaRPr lang="en-US" sz="1100" b="0" strike="noStrike" spc="-1">
               <a:solidFill>
@@ -6714,7 +6720,7 @@
                 </a:uFill>
                 <a:latin typeface="Candara"/>
               </a:rPr>
-              <a:t>10/30/2017</a:t>
+              <a:t>10/30/17</a:t>
             </a:fld>
             <a:endParaRPr lang="en-US" sz="1100" b="0" strike="noStrike" spc="-1">
               <a:solidFill>
@@ -7195,6 +7201,9 @@
               </a:rPr>
               <a:t>Brown Biggers • Michael Ellis</a:t>
             </a:r>
+            <a:r>
+              <a:t/>
+            </a:r>
             <a:br/>
             <a:r>
               <a:rPr lang="en-US" sz="2000" b="0" strike="noStrike" spc="-1">
@@ -7278,6 +7287,178 @@
       </p:grpSpPr>
       <p:sp>
         <p:nvSpPr>
+          <p:cNvPr id="2" name="Title 1"/>
+          <p:cNvSpPr>
+            <a:spLocks noGrp="1"/>
+          </p:cNvSpPr>
+          <p:nvPr>
+            <p:ph type="title"/>
+          </p:nvPr>
+        </p:nvSpPr>
+        <p:spPr>
+          <a:xfrm>
+            <a:off x="1143000" y="294362"/>
+            <a:ext cx="6857640" cy="1142640"/>
+          </a:xfrm>
+        </p:spPr>
+        <p:txBody>
+          <a:bodyPr/>
+          <a:lstStyle/>
+          <a:p>
+            <a:pPr algn="ctr"/>
+            <a:r>
+              <a:rPr lang="en-US" sz="3200" spc="-1" dirty="0" smtClean="0">
+                <a:solidFill>
+                  <a:srgbClr val="92D050"/>
+                </a:solidFill>
+                <a:uFill>
+                  <a:solidFill>
+                    <a:srgbClr val="FFFFFF"/>
+                  </a:solidFill>
+                </a:uFill>
+                <a:latin typeface="Consolas"/>
+              </a:rPr>
+              <a:t/>
+            </a:r>
+            <a:br>
+              <a:rPr lang="en-US" sz="3200" spc="-1" dirty="0" smtClean="0">
+                <a:solidFill>
+                  <a:srgbClr val="92D050"/>
+                </a:solidFill>
+                <a:uFill>
+                  <a:solidFill>
+                    <a:srgbClr val="FFFFFF"/>
+                  </a:solidFill>
+                </a:uFill>
+                <a:latin typeface="Consolas"/>
+              </a:rPr>
+            </a:br>
+            <a:r>
+              <a:rPr lang="en-US" sz="3600" spc="-1" dirty="0" smtClean="0">
+                <a:solidFill>
+                  <a:srgbClr val="92D050"/>
+                </a:solidFill>
+                <a:uFill>
+                  <a:solidFill>
+                    <a:srgbClr val="FFFFFF"/>
+                  </a:solidFill>
+                </a:uFill>
+                <a:latin typeface="Consolas"/>
+              </a:rPr>
+              <a:t>Average Usage per Hour</a:t>
+            </a:r>
+            <a:r>
+              <a:rPr lang="en-US" sz="3600" spc="-1" dirty="0">
+                <a:solidFill>
+                  <a:srgbClr val="FFFFFF"/>
+                </a:solidFill>
+                <a:uFill>
+                  <a:solidFill>
+                    <a:srgbClr val="FFFFFF"/>
+                  </a:solidFill>
+                </a:uFill>
+                <a:latin typeface="Candara"/>
+              </a:rPr>
+              <a:t/>
+            </a:r>
+            <a:br>
+              <a:rPr lang="en-US" sz="3600" spc="-1" dirty="0">
+                <a:solidFill>
+                  <a:srgbClr val="FFFFFF"/>
+                </a:solidFill>
+                <a:uFill>
+                  <a:solidFill>
+                    <a:srgbClr val="FFFFFF"/>
+                  </a:solidFill>
+                </a:uFill>
+                <a:latin typeface="Candara"/>
+              </a:rPr>
+            </a:br>
+            <a:endParaRPr lang="en-US" sz="3600" dirty="0"/>
+          </a:p>
+        </p:txBody>
+      </p:sp>
+      <p:sp>
+        <p:nvSpPr>
+          <p:cNvPr id="3" name="Subtitle 2"/>
+          <p:cNvSpPr>
+            <a:spLocks noGrp="1"/>
+          </p:cNvSpPr>
+          <p:nvPr>
+            <p:ph type="subTitle"/>
+          </p:nvPr>
+        </p:nvSpPr>
+        <p:spPr/>
+        <p:txBody>
+          <a:bodyPr/>
+          <a:lstStyle/>
+          <a:p>
+            <a:endParaRPr lang="en-US" dirty="0"/>
+          </a:p>
+        </p:txBody>
+      </p:sp>
+      <p:pic>
+        <p:nvPicPr>
+          <p:cNvPr id="4" name="Picture 3"/>
+          <p:cNvPicPr>
+            <a:picLocks noChangeAspect="1"/>
+          </p:cNvPicPr>
+          <p:nvPr/>
+        </p:nvPicPr>
+        <p:blipFill>
+          <a:blip r:embed="rId2">
+            <a:extLst>
+              <a:ext uri="{28A0092B-C50C-407E-A947-70E740481C1C}">
+                <a14:useLocalDpi xmlns:a14="http://schemas.microsoft.com/office/drawing/2010/main" val="0"/>
+              </a:ext>
+            </a:extLst>
+          </a:blip>
+          <a:stretch>
+            <a:fillRect/>
+          </a:stretch>
+        </p:blipFill>
+        <p:spPr>
+          <a:xfrm>
+            <a:off x="500681" y="1248067"/>
+            <a:ext cx="8142278" cy="5428186"/>
+          </a:xfrm>
+          <a:prstGeom prst="rect">
+            <a:avLst/>
+          </a:prstGeom>
+        </p:spPr>
+      </p:pic>
+    </p:spTree>
+    <p:extLst>
+      <p:ext uri="{BB962C8B-B14F-4D97-AF65-F5344CB8AC3E}">
+        <p14:creationId xmlns:p14="http://schemas.microsoft.com/office/powerpoint/2010/main" val="1061252847"/>
+      </p:ext>
+    </p:extLst>
+  </p:cSld>
+  <p:clrMapOvr>
+    <a:masterClrMapping/>
+  </p:clrMapOvr>
+</p:sld>
+</file>
+
+<file path=ppt/slides/slide11.xml><?xml version="1.0" encoding="utf-8"?>
+<p:sld xmlns:a="http://schemas.openxmlformats.org/drawingml/2006/main" xmlns:r="http://schemas.openxmlformats.org/officeDocument/2006/relationships" xmlns:p="http://schemas.openxmlformats.org/presentationml/2006/main">
+  <p:cSld>
+    <p:spTree>
+      <p:nvGrpSpPr>
+        <p:cNvPr id="1" name=""/>
+        <p:cNvGrpSpPr/>
+        <p:nvPr/>
+      </p:nvGrpSpPr>
+      <p:grpSpPr>
+        <a:xfrm>
+          <a:off x="0" y="0"/>
+          <a:ext cx="0" cy="0"/>
+          <a:chOff x="0" y="0"/>
+          <a:chExt cx="0" cy="0"/>
+        </a:xfrm>
+      </p:grpSpPr>
+      <p:sp>
+        <p:nvSpPr>
           <p:cNvPr id="139" name="TextShape 1"/>
           <p:cNvSpPr txBox="1"/>
           <p:nvPr/>
@@ -7412,7 +7593,7 @@
               <a:t>Brown: </a:t>
             </a:r>
             <a:r>
-              <a:rPr lang="en-US" sz="2000" b="0" strike="noStrike" spc="-1" dirty="0" err="1">
+              <a:rPr lang="en-US" sz="2000" b="0" strike="noStrike" spc="-1" dirty="0" err="1" smtClean="0">
                 <a:solidFill>
                   <a:srgbClr val="D9D9D9"/>
                 </a:solidFill>
@@ -7423,10 +7604,10 @@
                 </a:uFill>
                 <a:latin typeface="Candara"/>
               </a:rPr>
-              <a:t>Bookeh</a:t>
+              <a:t>Bokeh</a:t>
             </a:r>
             <a:r>
-              <a:rPr lang="en-US" sz="2000" b="0" strike="noStrike" spc="-1" dirty="0">
+              <a:rPr lang="en-US" sz="2000" b="0" strike="noStrike" spc="-1" dirty="0" smtClean="0">
                 <a:solidFill>
                   <a:srgbClr val="D9D9D9"/>
                 </a:solidFill>
@@ -7437,7 +7618,21 @@
                 </a:uFill>
                 <a:latin typeface="Candara"/>
               </a:rPr>
-              <a:t> interactive graphs</a:t>
+              <a:t> </a:t>
+            </a:r>
+            <a:r>
+              <a:rPr lang="en-US" sz="2000" b="0" strike="noStrike" spc="-1" dirty="0">
+                <a:solidFill>
+                  <a:srgbClr val="D9D9D9"/>
+                </a:solidFill>
+                <a:uFill>
+                  <a:solidFill>
+                    <a:srgbClr val="FFFFFF"/>
+                  </a:solidFill>
+                </a:uFill>
+                <a:latin typeface="Candara"/>
+              </a:rPr>
+              <a:t>interactive graphs</a:t>
             </a:r>
           </a:p>
           <a:p>
@@ -9205,6 +9400,9 @@
                 <a:latin typeface="Consolas"/>
               </a:rPr>
               <a:t>Avg Computer Use vs Temp</a:t>
+            </a:r>
+            <a:r>
+              <a:t/>
             </a:r>
             <a:br/>
             <a:r>
@@ -9352,6 +9550,9 @@
               </a:rPr>
               <a:t>Use vs. temp per machine</a:t>
             </a:r>
+            <a:r>
+              <a:t/>
+            </a:r>
             <a:br/>
             <a:r>
               <a:rPr lang="en-US" sz="3400" b="0" strike="noStrike" spc="-1">
@@ -9498,6 +9699,9 @@
               </a:rPr>
               <a:t>Avg Computer Use vs Temp</a:t>
             </a:r>
+            <a:r>
+              <a:t/>
+            </a:r>
             <a:br/>
             <a:r>
               <a:rPr lang="en-US" sz="3400" b="0" strike="noStrike" spc="-1">
@@ -9644,6 +9848,9 @@
               </a:rPr>
               <a:t>Use vs. temp per machine</a:t>
             </a:r>
+            <a:r>
+              <a:t/>
+            </a:r>
             <a:br/>
             <a:r>
               <a:rPr lang="en-US" sz="3400" b="0" strike="noStrike" spc="-1">
@@ -9777,7 +9984,7 @@
               </a:lnSpc>
             </a:pPr>
             <a:r>
-              <a:rPr lang="en-US" sz="3400" b="0" strike="noStrike" spc="-1">
+              <a:rPr lang="en-US" sz="3400" b="0" strike="noStrike" spc="-1" dirty="0">
                 <a:solidFill>
                   <a:srgbClr val="92D050"/>
                 </a:solidFill>
@@ -9790,7 +9997,7 @@
               </a:rPr>
               <a:t>More on Utilization vs Temp</a:t>
             </a:r>
-            <a:endParaRPr lang="en-US" sz="3400" b="0" strike="noStrike" spc="-1">
+            <a:endParaRPr lang="en-US" sz="3400" b="0" strike="noStrike" spc="-1" dirty="0">
               <a:solidFill>
                 <a:srgbClr val="FFFFFF"/>
               </a:solidFill>

--- a/Computers in the Libraries.pptx
+++ b/Computers in the Libraries.pptx
@@ -7375,25 +7375,6 @@
               </a:rPr>
             </a:br>
             <a:endParaRPr lang="en-US" sz="3600" dirty="0"/>
-          </a:p>
-        </p:txBody>
-      </p:sp>
-      <p:sp>
-        <p:nvSpPr>
-          <p:cNvPr id="3" name="Subtitle 2"/>
-          <p:cNvSpPr>
-            <a:spLocks noGrp="1"/>
-          </p:cNvSpPr>
-          <p:nvPr>
-            <p:ph type="subTitle"/>
-          </p:nvPr>
-        </p:nvSpPr>
-        <p:spPr/>
-        <p:txBody>
-          <a:bodyPr/>
-          <a:lstStyle/>
-          <a:p>
-            <a:endParaRPr lang="en-US" dirty="0"/>
           </a:p>
         </p:txBody>
       </p:sp>
